--- a/1_Präsentationen/SWE_BlueCouch_Endpräsentation_2.pptx
+++ b/1_Präsentationen/SWE_BlueCouch_Endpräsentation_2.pptx
@@ -289,7 +289,7 @@
               <a:pPr>
                 <a:defRPr/>
               </a:pPr>
-              <a:t>25.01.2016</a:t>
+              <a:t>27.01.2016</a:t>
             </a:fld>
             <a:endParaRPr lang="de-DE"/>
           </a:p>
@@ -514,7 +514,7 @@
               <a:pPr>
                 <a:defRPr/>
               </a:pPr>
-              <a:t>25.01.2016</a:t>
+              <a:t>27.01.2016</a:t>
             </a:fld>
             <a:endParaRPr lang="de-AT"/>
           </a:p>
@@ -6487,8 +6487,21 @@
                 </a:solidFill>
                 <a:latin typeface="Calibri" panose="020F0502020204030204" pitchFamily="34" charset="0"/>
               </a:rPr>
-              <a:t>9 </a:t>
-            </a:r>
+              <a:t>9 Servlets + 9 JSP‘s</a:t>
+            </a:r>
+          </a:p>
+          <a:p>
+            <a:pPr marL="800100" lvl="1" indent="-342900">
+              <a:spcBef>
+                <a:spcPct val="20000"/>
+              </a:spcBef>
+              <a:buClr>
+                <a:srgbClr val="FF0000"/>
+              </a:buClr>
+              <a:buFont typeface="Wingdings" panose="05000000000000000000" pitchFamily="2" charset="2"/>
+              <a:buChar char="ü"/>
+              <a:defRPr/>
+            </a:pPr>
             <a:r>
               <a:rPr lang="de-AT" sz="2000" dirty="0" smtClean="0">
                 <a:solidFill>
@@ -6496,8 +6509,21 @@
                 </a:solidFill>
                 <a:latin typeface="Calibri" panose="020F0502020204030204" pitchFamily="34" charset="0"/>
               </a:rPr>
-              <a:t>Servlets + 9 </a:t>
-            </a:r>
+              <a:t>1 Anwendermanagement </a:t>
+            </a:r>
+          </a:p>
+          <a:p>
+            <a:pPr marL="800100" lvl="1" indent="-342900">
+              <a:spcBef>
+                <a:spcPct val="20000"/>
+              </a:spcBef>
+              <a:buClr>
+                <a:srgbClr val="FF0000"/>
+              </a:buClr>
+              <a:buFont typeface="Wingdings" panose="05000000000000000000" pitchFamily="2" charset="2"/>
+              <a:buChar char="ü"/>
+              <a:defRPr/>
+            </a:pPr>
             <a:r>
               <a:rPr lang="de-AT" sz="2000" dirty="0" smtClean="0">
                 <a:solidFill>
@@ -6505,7 +6531,38 @@
                 </a:solidFill>
                 <a:latin typeface="Calibri" panose="020F0502020204030204" pitchFamily="34" charset="0"/>
               </a:rPr>
-              <a:t>JSP‘s</a:t>
+              <a:t>1 Anwender DAO</a:t>
+            </a:r>
+          </a:p>
+          <a:p>
+            <a:pPr marL="800100" lvl="1" indent="-342900">
+              <a:spcBef>
+                <a:spcPct val="20000"/>
+              </a:spcBef>
+              <a:buClr>
+                <a:srgbClr val="FF0000"/>
+              </a:buClr>
+              <a:buFont typeface="Wingdings" panose="05000000000000000000" pitchFamily="2" charset="2"/>
+              <a:buChar char="ü"/>
+              <a:defRPr/>
+            </a:pPr>
+            <a:r>
+              <a:rPr lang="de-AT" sz="2000" dirty="0" smtClean="0">
+                <a:solidFill>
+                  <a:schemeClr val="bg1"/>
+                </a:solidFill>
+                <a:latin typeface="Calibri" panose="020F0502020204030204" pitchFamily="34" charset="0"/>
+              </a:rPr>
+              <a:t>4 </a:t>
+            </a:r>
+            <a:r>
+              <a:rPr lang="de-AT" sz="2000" dirty="0" smtClean="0">
+                <a:solidFill>
+                  <a:schemeClr val="bg1"/>
+                </a:solidFill>
+                <a:latin typeface="Calibri" panose="020F0502020204030204" pitchFamily="34" charset="0"/>
+              </a:rPr>
+              <a:t>Benutzertypen </a:t>
             </a:r>
             <a:endParaRPr lang="de-AT" sz="2000" dirty="0" smtClean="0">
               <a:solidFill>
@@ -6533,7 +6590,16 @@
                 </a:solidFill>
                 <a:latin typeface="Calibri" panose="020F0502020204030204" pitchFamily="34" charset="0"/>
               </a:rPr>
-              <a:t>1 Anwendermanagement </a:t>
+              <a:t>5 </a:t>
+            </a:r>
+            <a:r>
+              <a:rPr lang="de-AT" sz="2000" dirty="0" err="1" smtClean="0">
+                <a:solidFill>
+                  <a:schemeClr val="bg1"/>
+                </a:solidFill>
+                <a:latin typeface="Calibri" panose="020F0502020204030204" pitchFamily="34" charset="0"/>
+              </a:rPr>
+              <a:t>UserInfo</a:t>
             </a:r>
             <a:endParaRPr lang="de-AT" sz="2000" dirty="0" smtClean="0">
               <a:solidFill>
@@ -6543,6 +6609,28 @@
             </a:endParaRPr>
           </a:p>
           <a:p>
+            <a:pPr marL="342900" indent="-342900">
+              <a:spcBef>
+                <a:spcPct val="20000"/>
+              </a:spcBef>
+              <a:buClr>
+                <a:srgbClr val="FF0000"/>
+              </a:buClr>
+              <a:buFont typeface="Wingdings" panose="05000000000000000000" pitchFamily="2" charset="2"/>
+              <a:buChar char="§"/>
+              <a:defRPr/>
+            </a:pPr>
+            <a:r>
+              <a:rPr lang="de-AT" sz="2400" b="1" dirty="0" smtClean="0">
+                <a:solidFill>
+                  <a:schemeClr val="bg1"/>
+                </a:solidFill>
+                <a:latin typeface="Calibri" panose="020F0502020204030204" pitchFamily="34" charset="0"/>
+              </a:rPr>
+              <a:t>4582 Java - Programmzeilen</a:t>
+            </a:r>
+          </a:p>
+          <a:p>
             <a:pPr marL="800100" lvl="1" indent="-342900">
               <a:spcBef>
                 <a:spcPct val="20000"/>
@@ -6561,7 +6649,47 @@
                 </a:solidFill>
                 <a:latin typeface="Calibri" panose="020F0502020204030204" pitchFamily="34" charset="0"/>
               </a:rPr>
-              <a:t>1 Anwender DAO</a:t>
+              <a:t>2404 reine Codezeilen</a:t>
+            </a:r>
+          </a:p>
+          <a:p>
+            <a:pPr marL="800100" lvl="1" indent="-342900">
+              <a:spcBef>
+                <a:spcPct val="20000"/>
+              </a:spcBef>
+              <a:buClr>
+                <a:srgbClr val="FF0000"/>
+              </a:buClr>
+              <a:buFont typeface="Wingdings" panose="05000000000000000000" pitchFamily="2" charset="2"/>
+              <a:buChar char="ü"/>
+              <a:defRPr/>
+            </a:pPr>
+            <a:r>
+              <a:rPr lang="de-AT" sz="2000" dirty="0" smtClean="0">
+                <a:solidFill>
+                  <a:schemeClr val="bg1"/>
+                </a:solidFill>
+                <a:latin typeface="Calibri" panose="020F0502020204030204" pitchFamily="34" charset="0"/>
+              </a:rPr>
+              <a:t>1114  </a:t>
+            </a:r>
+            <a:r>
+              <a:rPr lang="de-AT" sz="2000" dirty="0" smtClean="0">
+                <a:solidFill>
+                  <a:schemeClr val="bg1"/>
+                </a:solidFill>
+                <a:latin typeface="Calibri" panose="020F0502020204030204" pitchFamily="34" charset="0"/>
+              </a:rPr>
+              <a:t>reine </a:t>
+            </a:r>
+            <a:r>
+              <a:rPr lang="de-AT" sz="2000" dirty="0" smtClean="0">
+                <a:solidFill>
+                  <a:schemeClr val="bg1"/>
+                </a:solidFill>
+                <a:latin typeface="Calibri" panose="020F0502020204030204" pitchFamily="34" charset="0"/>
+              </a:rPr>
+              <a:t>Kommentarzeilen</a:t>
             </a:r>
             <a:endParaRPr lang="de-AT" sz="2000" dirty="0" smtClean="0">
               <a:solidFill>
@@ -6571,66 +6699,7 @@
             </a:endParaRPr>
           </a:p>
           <a:p>
-            <a:pPr marL="800100" lvl="1" indent="-342900">
-              <a:spcBef>
-                <a:spcPct val="20000"/>
-              </a:spcBef>
-              <a:buClr>
-                <a:srgbClr val="FF0000"/>
-              </a:buClr>
-              <a:buFont typeface="Wingdings" panose="05000000000000000000" pitchFamily="2" charset="2"/>
-              <a:buChar char="ü"/>
-              <a:defRPr/>
-            </a:pPr>
-            <a:r>
-              <a:rPr lang="de-AT" sz="2000" dirty="0" smtClean="0">
-                <a:solidFill>
-                  <a:schemeClr val="bg1"/>
-                </a:solidFill>
-                <a:latin typeface="Calibri" panose="020F0502020204030204" pitchFamily="34" charset="0"/>
-              </a:rPr>
-              <a:t>4 Benutzer </a:t>
-            </a:r>
-          </a:p>
-          <a:p>
-            <a:pPr marL="800100" lvl="1" indent="-342900">
-              <a:spcBef>
-                <a:spcPct val="20000"/>
-              </a:spcBef>
-              <a:buClr>
-                <a:srgbClr val="FF0000"/>
-              </a:buClr>
-              <a:buFont typeface="Wingdings" panose="05000000000000000000" pitchFamily="2" charset="2"/>
-              <a:buChar char="ü"/>
-              <a:defRPr/>
-            </a:pPr>
-            <a:r>
-              <a:rPr lang="de-AT" sz="2000" dirty="0" smtClean="0">
-                <a:solidFill>
-                  <a:schemeClr val="bg1"/>
-                </a:solidFill>
-                <a:latin typeface="Calibri" panose="020F0502020204030204" pitchFamily="34" charset="0"/>
-              </a:rPr>
-              <a:t>5 </a:t>
-            </a:r>
-            <a:r>
-              <a:rPr lang="de-AT" sz="2000" dirty="0" err="1" smtClean="0">
-                <a:solidFill>
-                  <a:schemeClr val="bg1"/>
-                </a:solidFill>
-                <a:latin typeface="Calibri" panose="020F0502020204030204" pitchFamily="34" charset="0"/>
-              </a:rPr>
-              <a:t>UserInfo</a:t>
-            </a:r>
-            <a:endParaRPr lang="de-AT" sz="2000" dirty="0" smtClean="0">
-              <a:solidFill>
-                <a:schemeClr val="bg1"/>
-              </a:solidFill>
-              <a:latin typeface="Calibri" panose="020F0502020204030204" pitchFamily="34" charset="0"/>
-            </a:endParaRPr>
-          </a:p>
-          <a:p>
-            <a:pPr marL="342900" indent="-342900">
+            <a:pPr marL="342900" lvl="0" indent="-342900">
               <a:spcBef>
                 <a:spcPct val="20000"/>
               </a:spcBef>
@@ -6648,51 +6717,7 @@
                 </a:solidFill>
                 <a:latin typeface="Calibri" panose="020F0502020204030204" pitchFamily="34" charset="0"/>
               </a:rPr>
-              <a:t>???? Programmzeilen</a:t>
-            </a:r>
-          </a:p>
-          <a:p>
-            <a:pPr marL="800100" lvl="1" indent="-342900">
-              <a:spcBef>
-                <a:spcPct val="20000"/>
-              </a:spcBef>
-              <a:buClr>
-                <a:srgbClr val="FF0000"/>
-              </a:buClr>
-              <a:buFont typeface="Wingdings" panose="05000000000000000000" pitchFamily="2" charset="2"/>
-              <a:buChar char="ü"/>
-              <a:defRPr/>
-            </a:pPr>
-            <a:r>
-              <a:rPr lang="de-AT" sz="2000" dirty="0" smtClean="0">
-                <a:solidFill>
-                  <a:schemeClr val="bg1"/>
-                </a:solidFill>
-                <a:latin typeface="Calibri" panose="020F0502020204030204" pitchFamily="34" charset="0"/>
-              </a:rPr>
-              <a:t>??? reine Codezeilen</a:t>
-            </a:r>
-          </a:p>
-          <a:p>
-            <a:pPr marL="800100" lvl="1" indent="-342900">
-              <a:spcBef>
-                <a:spcPct val="20000"/>
-              </a:spcBef>
-              <a:buClr>
-                <a:srgbClr val="FF0000"/>
-              </a:buClr>
-              <a:buFont typeface="Wingdings" panose="05000000000000000000" pitchFamily="2" charset="2"/>
-              <a:buChar char="ü"/>
-              <a:defRPr/>
-            </a:pPr>
-            <a:r>
-              <a:rPr lang="de-AT" sz="2000" dirty="0" smtClean="0">
-                <a:solidFill>
-                  <a:schemeClr val="bg1"/>
-                </a:solidFill>
-                <a:latin typeface="Calibri" panose="020F0502020204030204" pitchFamily="34" charset="0"/>
-              </a:rPr>
-              <a:t>???  reine Kommentarzeilen</a:t>
+              <a:t>2092 JSP - Programmzeilen</a:t>
             </a:r>
           </a:p>
           <a:p>
@@ -6717,7 +6742,7 @@
               <a:t>19 </a:t>
             </a:r>
             <a:r>
-              <a:rPr lang="de-AT" sz="2400" b="1" dirty="0" err="1" smtClean="0">
+              <a:rPr lang="de-AT" sz="2400" b="1" dirty="0" smtClean="0">
                 <a:solidFill>
                   <a:schemeClr val="bg1"/>
                 </a:solidFill>
@@ -6725,12 +6750,6 @@
               </a:rPr>
               <a:t>Testcases</a:t>
             </a:r>
-            <a:endParaRPr lang="de-AT" sz="2400" b="1" dirty="0" smtClean="0">
-              <a:solidFill>
-                <a:schemeClr val="bg1"/>
-              </a:solidFill>
-              <a:latin typeface="Calibri" panose="020F0502020204030204" pitchFamily="34" charset="0"/>
-            </a:endParaRPr>
           </a:p>
           <a:p>
             <a:pPr marL="342900" indent="-342900">
@@ -6807,21 +6826,8 @@
                 </a:solidFill>
                 <a:latin typeface="Calibri" panose="020F0502020204030204" pitchFamily="34" charset="0"/>
               </a:rPr>
-              <a:t>Serverseitig: Java (+ -Servlets+ -JSP)</a:t>
-            </a:r>
-          </a:p>
-          <a:p>
-            <a:pPr marL="800100" lvl="1" indent="-342900">
-              <a:spcBef>
-                <a:spcPct val="20000"/>
-              </a:spcBef>
-              <a:buClr>
-                <a:srgbClr val="FF0000"/>
-              </a:buClr>
-              <a:buFont typeface="Wingdings" panose="05000000000000000000" pitchFamily="2" charset="2"/>
-              <a:buChar char="ü"/>
-              <a:defRPr/>
-            </a:pPr>
+              <a:t>Applikation: Java, Darstellung: </a:t>
+            </a:r>
             <a:r>
               <a:rPr lang="de-AT" sz="2000" dirty="0" smtClean="0">
                 <a:solidFill>
@@ -6829,14 +6835,8 @@
                 </a:solidFill>
                 <a:latin typeface="Calibri" panose="020F0502020204030204" pitchFamily="34" charset="0"/>
               </a:rPr>
-              <a:t>Clientseitig: HTML + CSS (Bootstrap)</a:t>
-            </a:r>
-            <a:endParaRPr lang="de-AT" sz="2000" dirty="0" smtClean="0">
-              <a:solidFill>
-                <a:schemeClr val="bg1"/>
-              </a:solidFill>
-              <a:latin typeface="Calibri" panose="020F0502020204030204" pitchFamily="34" charset="0"/>
-            </a:endParaRPr>
+              <a:t>HTML + CSS (Bootstrap)</a:t>
+            </a:r>
           </a:p>
         </p:txBody>
       </p:sp>
@@ -7431,14 +7431,14 @@
             </a:ln>
             <a:extLst>
               <a:ext uri="{909E8E84-426E-40dd-AFC4-6F175D3DCCD1}">
-                <a14:hiddenFill xmlns:a14="http://schemas.microsoft.com/office/drawing/2010/main" xmlns="">
+                <a14:hiddenFill xmlns="" xmlns:a14="http://schemas.microsoft.com/office/drawing/2010/main">
                   <a:solidFill>
                     <a:srgbClr val="FFFFFF"/>
                   </a:solidFill>
                 </a14:hiddenFill>
               </a:ext>
               <a:ext uri="{91240B29-F687-4f45-9708-019B960494DF}">
-                <a14:hiddenLine xmlns:a14="http://schemas.microsoft.com/office/drawing/2010/main" xmlns="" w="9525">
+                <a14:hiddenLine xmlns="" xmlns:a14="http://schemas.microsoft.com/office/drawing/2010/main" w="9525">
                   <a:solidFill>
                     <a:srgbClr val="000000"/>
                   </a:solidFill>
